--- a/DEVSQL_01_CreateTable_Constraints/DEVSQL_01A_CreateTable.pptx
+++ b/DEVSQL_01_CreateTable_Constraints/DEVSQL_01A_CreateTable.pptx
@@ -228,7 +228,7 @@
           <a:p>
             <a:fld id="{A72FB546-F199-4B4F-99BF-57E72CB8BE0D}" type="datetimeFigureOut">
               <a:rPr lang="en-GB" smtClean="0"/>
-              <a:t>26/08/2018</a:t>
+              <a:t>05/10/2018</a:t>
             </a:fld>
             <a:endParaRPr lang="en-GB"/>
           </a:p>
@@ -720,7 +720,7 @@
           <a:p>
             <a:fld id="{B71B97B5-CD53-4045-9EAB-8675E61DEBFF}" type="datetime1">
               <a:rPr lang="en-US" smtClean="0"/>
-              <a:t>8/26/2018</a:t>
+              <a:t>10/5/2018</a:t>
             </a:fld>
             <a:endParaRPr lang="en-US" dirty="0"/>
           </a:p>
@@ -895,7 +895,7 @@
           <a:p>
             <a:fld id="{8A62E2F4-43B8-4444-AA47-B1745BCB38D5}" type="datetime1">
               <a:rPr lang="en-US" smtClean="0"/>
-              <a:t>8/26/2018</a:t>
+              <a:t>10/5/2018</a:t>
             </a:fld>
             <a:endParaRPr lang="en-US" dirty="0"/>
           </a:p>
@@ -1079,7 +1079,7 @@
           <a:p>
             <a:fld id="{E5F1EBDA-92E6-40EF-8B05-F511C7F9FEF3}" type="datetime1">
               <a:rPr lang="en-US" smtClean="0"/>
-              <a:t>8/26/2018</a:t>
+              <a:t>10/5/2018</a:t>
             </a:fld>
             <a:endParaRPr lang="en-US" dirty="0"/>
           </a:p>
@@ -1253,7 +1253,7 @@
           <a:p>
             <a:fld id="{DDF47470-A926-4F8F-B54B-9CD8FE1AE246}" type="datetime1">
               <a:rPr lang="en-US" smtClean="0"/>
-              <a:t>8/26/2018</a:t>
+              <a:t>10/5/2018</a:t>
             </a:fld>
             <a:endParaRPr lang="en-US" dirty="0"/>
           </a:p>
@@ -1515,7 +1515,7 @@
           <a:p>
             <a:fld id="{EC6453AE-6942-4706-95D7-B941FA946658}" type="datetime1">
               <a:rPr lang="en-US" smtClean="0"/>
-              <a:t>8/26/2018</a:t>
+              <a:t>10/5/2018</a:t>
             </a:fld>
             <a:endParaRPr lang="en-US" dirty="0"/>
           </a:p>
@@ -1808,7 +1808,7 @@
           <a:p>
             <a:fld id="{7485DE8E-F3D1-43D3-AA4E-AD1474DCFEA5}" type="datetime1">
               <a:rPr lang="en-US" smtClean="0"/>
-              <a:t>8/26/2018</a:t>
+              <a:t>10/5/2018</a:t>
             </a:fld>
             <a:endParaRPr lang="en-US" dirty="0"/>
           </a:p>
@@ -2254,7 +2254,7 @@
           <a:p>
             <a:fld id="{D2004977-84DE-42EE-A6BE-94658AD3A20A}" type="datetime1">
               <a:rPr lang="en-US" smtClean="0"/>
-              <a:t>8/26/2018</a:t>
+              <a:t>10/5/2018</a:t>
             </a:fld>
             <a:endParaRPr lang="en-US" dirty="0"/>
           </a:p>
@@ -2376,7 +2376,7 @@
           <a:p>
             <a:fld id="{C197578A-6273-4B7A-8481-BC3DC51245D3}" type="datetime1">
               <a:rPr lang="en-US" smtClean="0"/>
-              <a:t>8/26/2018</a:t>
+              <a:t>10/5/2018</a:t>
             </a:fld>
             <a:endParaRPr lang="en-US" dirty="0"/>
           </a:p>
@@ -2475,7 +2475,7 @@
           <a:p>
             <a:fld id="{2CE4314A-B21F-46BB-BE72-50070CD80ECC}" type="datetime1">
               <a:rPr lang="en-US" smtClean="0"/>
-              <a:t>8/26/2018</a:t>
+              <a:t>10/5/2018</a:t>
             </a:fld>
             <a:endParaRPr lang="en-US" dirty="0"/>
           </a:p>
@@ -2767,7 +2767,7 @@
           <a:p>
             <a:fld id="{BC8C3F01-2333-4625-81F9-3F061226A6CA}" type="datetime1">
               <a:rPr lang="en-US" smtClean="0"/>
-              <a:t>8/26/2018</a:t>
+              <a:t>10/5/2018</a:t>
             </a:fld>
             <a:endParaRPr lang="en-US" dirty="0"/>
           </a:p>
@@ -3045,7 +3045,7 @@
           <a:p>
             <a:fld id="{769527E7-0EFF-4D9C-9765-9427F2C57259}" type="datetime1">
               <a:rPr lang="en-US" smtClean="0"/>
-              <a:t>8/26/2018</a:t>
+              <a:t>10/5/2018</a:t>
             </a:fld>
             <a:endParaRPr lang="en-US" dirty="0"/>
           </a:p>
@@ -3347,7 +3347,7 @@
           <a:p>
             <a:fld id="{87D9E37C-E6FE-426E-AAEF-6A78AD0B3306}" type="datetime1">
               <a:rPr lang="en-US" smtClean="0"/>
-              <a:t>8/26/2018</a:t>
+              <a:t>10/5/2018</a:t>
             </a:fld>
             <a:endParaRPr lang="en-US" dirty="0"/>
           </a:p>
@@ -3927,6 +3927,13 @@
   <p:clrMapOvr>
     <a:masterClrMapping/>
   </p:clrMapOvr>
+  <p:timing>
+    <p:tnLst>
+      <p:par>
+        <p:cTn id="1" dur="indefinite" restart="never" nodeType="tmRoot"/>
+      </p:par>
+    </p:tnLst>
+  </p:timing>
 </p:sld>
 </file>
 
@@ -4070,6 +4077,13 @@
   <p:clrMapOvr>
     <a:masterClrMapping/>
   </p:clrMapOvr>
+  <p:timing>
+    <p:tnLst>
+      <p:par>
+        <p:cTn id="1" dur="indefinite" restart="never" nodeType="tmRoot"/>
+      </p:par>
+    </p:tnLst>
+  </p:timing>
 </p:sld>
 </file>
 
@@ -4157,7 +4171,19 @@
             <a:pPr lvl="1"/>
             <a:r>
               <a:rPr lang="en-US" dirty="0"/>
-              <a:t>Other variations on tables that are covered elsewhere in this Training Kit are as follows:</a:t>
+              <a:t>Other variations on tables that are covered elsewhere in this </a:t>
+            </a:r>
+            <a:r>
+              <a:rPr lang="pl-PL" smtClean="0"/>
+              <a:t>course</a:t>
+            </a:r>
+            <a:r>
+              <a:rPr lang="en-US" smtClean="0"/>
+              <a:t> </a:t>
+            </a:r>
+            <a:r>
+              <a:rPr lang="en-US" dirty="0"/>
+              <a:t>are as follows:</a:t>
             </a:r>
             <a:endParaRPr lang="pl-PL" dirty="0"/>
           </a:p>
@@ -4397,6 +4423,13 @@
   <p:clrMapOvr>
     <a:masterClrMapping/>
   </p:clrMapOvr>
+  <p:timing>
+    <p:tnLst>
+      <p:par>
+        <p:cTn id="1" dur="indefinite" restart="never" nodeType="tmRoot"/>
+      </p:par>
+    </p:tnLst>
+  </p:timing>
 </p:sld>
 </file>
 
@@ -4579,7 +4612,7 @@
           <p:cNvPr id="6" name="Obraz 5">
             <a:extLst>
               <a:ext uri="{FF2B5EF4-FFF2-40B4-BE49-F238E27FC236}">
-                <a16:creationId xmlns:a16="http://schemas.microsoft.com/office/drawing/2014/main" id="{C491F154-8B57-470E-8A0A-8021500C350A}"/>
+                <a16:creationId xmlns:a16="http://schemas.microsoft.com/office/drawing/2014/main" xmlns="" id="{C491F154-8B57-470E-8A0A-8021500C350A}"/>
               </a:ext>
             </a:extLst>
           </p:cNvPr>
@@ -4614,6 +4647,13 @@
   <p:clrMapOvr>
     <a:masterClrMapping/>
   </p:clrMapOvr>
+  <p:timing>
+    <p:tnLst>
+      <p:par>
+        <p:cTn id="1" dur="indefinite" restart="never" nodeType="tmRoot"/>
+      </p:par>
+    </p:tnLst>
+  </p:timing>
 </p:sld>
 </file>
 
@@ -4840,7 +4880,7 @@
           <p:cNvPr id="4" name="Obraz 3">
             <a:extLst>
               <a:ext uri="{FF2B5EF4-FFF2-40B4-BE49-F238E27FC236}">
-                <a16:creationId xmlns:a16="http://schemas.microsoft.com/office/drawing/2014/main" id="{422F56B4-B91D-48B5-9CDC-4F987AEDD0DB}"/>
+                <a16:creationId xmlns:a16="http://schemas.microsoft.com/office/drawing/2014/main" xmlns="" id="{422F56B4-B91D-48B5-9CDC-4F987AEDD0DB}"/>
               </a:ext>
             </a:extLst>
           </p:cNvPr>
@@ -5108,7 +5148,7 @@
           <p:cNvPr id="5" name="Obraz 4">
             <a:extLst>
               <a:ext uri="{FF2B5EF4-FFF2-40B4-BE49-F238E27FC236}">
-                <a16:creationId xmlns:a16="http://schemas.microsoft.com/office/drawing/2014/main" id="{15AD3FB1-C58D-40A6-BD0C-32C4065751AE}"/>
+                <a16:creationId xmlns:a16="http://schemas.microsoft.com/office/drawing/2014/main" xmlns="" id="{15AD3FB1-C58D-40A6-BD0C-32C4065751AE}"/>
               </a:ext>
             </a:extLst>
           </p:cNvPr>
@@ -5324,7 +5364,7 @@
           <p:cNvPr id="4" name="Obraz 3">
             <a:extLst>
               <a:ext uri="{FF2B5EF4-FFF2-40B4-BE49-F238E27FC236}">
-                <a16:creationId xmlns:a16="http://schemas.microsoft.com/office/drawing/2014/main" id="{70466D8F-E70B-4505-A02D-4DF64542267B}"/>
+                <a16:creationId xmlns:a16="http://schemas.microsoft.com/office/drawing/2014/main" xmlns="" id="{70466D8F-E70B-4505-A02D-4DF64542267B}"/>
               </a:ext>
             </a:extLst>
           </p:cNvPr>
@@ -5582,7 +5622,7 @@
           <p:cNvPr id="6" name="Obraz 5">
             <a:extLst>
               <a:ext uri="{FF2B5EF4-FFF2-40B4-BE49-F238E27FC236}">
-                <a16:creationId xmlns:a16="http://schemas.microsoft.com/office/drawing/2014/main" id="{896D17CA-6BAD-457B-B1B6-E1D24BB4A64D}"/>
+                <a16:creationId xmlns:a16="http://schemas.microsoft.com/office/drawing/2014/main" xmlns="" id="{896D17CA-6BAD-457B-B1B6-E1D24BB4A64D}"/>
               </a:ext>
             </a:extLst>
           </p:cNvPr>
@@ -5777,7 +5817,7 @@
           <p:cNvPr id="4" name="Obraz 3">
             <a:extLst>
               <a:ext uri="{FF2B5EF4-FFF2-40B4-BE49-F238E27FC236}">
-                <a16:creationId xmlns:a16="http://schemas.microsoft.com/office/drawing/2014/main" id="{2F61C4A8-30BE-4490-A60F-277A7212F276}"/>
+                <a16:creationId xmlns:a16="http://schemas.microsoft.com/office/drawing/2014/main" xmlns="" id="{2F61C4A8-30BE-4490-A60F-277A7212F276}"/>
               </a:ext>
             </a:extLst>
           </p:cNvPr>
